--- a/Sessio_1/Session1_Intro_to_R_and_Rcmdr_2019.pptx
+++ b/Sessio_1/Session1_Intro_to_R_and_Rcmdr_2019.pptx
@@ -928,7 +928,7 @@
           <a:bodyPr/>
           <a:lstStyle/>
           <a:p>
-            <a:endParaRPr lang="en-US"/>
+            <a:endParaRPr lang="en-US" dirty="0"/>
           </a:p>
         </p:txBody>
       </p:sp>
@@ -2157,8 +2157,8 @@
         </p:nvSpPr>
         <p:spPr>
           <a:xfrm>
-            <a:off x="884520" y="812520"/>
-            <a:ext cx="5790599" cy="4008959"/>
+            <a:off x="1106488" y="812800"/>
+            <a:ext cx="5346700" cy="4008438"/>
           </a:xfrm>
           <a:solidFill>
             <a:srgbClr val="729FCF"/>
@@ -2192,7 +2192,7 @@
           <a:bodyPr/>
           <a:lstStyle/>
           <a:p>
-            <a:endParaRPr lang="en-US"/>
+            <a:endParaRPr lang="en-US" dirty="0"/>
           </a:p>
         </p:txBody>
       </p:sp>
@@ -3462,7 +3462,7 @@
           <a:bodyPr/>
           <a:lstStyle/>
           <a:p>
-            <a:endParaRPr lang="en-US"/>
+            <a:endParaRPr lang="en-US" dirty="0"/>
           </a:p>
         </p:txBody>
       </p:sp>
@@ -3688,7 +3688,7 @@
           <a:bodyPr/>
           <a:lstStyle/>
           <a:p>
-            <a:endParaRPr lang="en-US"/>
+            <a:endParaRPr lang="en-US" dirty="0"/>
           </a:p>
         </p:txBody>
       </p:sp>
@@ -18590,7 +18590,7 @@
         <p:spPr>
           <a:xfrm>
             <a:off x="4662360" y="1648080"/>
-            <a:ext cx="4187879" cy="399600"/>
+            <a:ext cx="2835648" cy="343364"/>
           </a:xfrm>
           <a:prstGeom prst="rect">
             <a:avLst/>
@@ -18611,7 +18611,7 @@
               <a:tabLst/>
             </a:pPr>
             <a:r>
-              <a:rPr lang="en-US" sz="2300" b="1">
+              <a:rPr lang="en-US" sz="2300" b="1" dirty="0">
                 <a:solidFill>
                   <a:srgbClr val="7D468C"/>
                 </a:solidFill>
@@ -18619,7 +18619,7 @@
                 <a:ea typeface="DejaVu Sans" pitchFamily="2"/>
                 <a:cs typeface="DejaVu Sans"/>
               </a:rPr>
-              <a:t>Introduction to R (and S)</a:t>
+              <a:t>Introduction to R</a:t>
             </a:r>
           </a:p>
         </p:txBody>
@@ -26296,7 +26296,51 @@
                 <a:ea typeface="DejaVu Sans" pitchFamily="2"/>
                 <a:cs typeface="Liberation Sans"/>
               </a:rPr>
-              <a:t>R is a language and environment for </a:t>
+              <a:t>R is a </a:t>
+            </a:r>
+            <a:r>
+              <a:rPr lang="en-US" sz="2100" b="1" dirty="0">
+                <a:solidFill>
+                  <a:srgbClr val="990099"/>
+                </a:solidFill>
+                <a:latin typeface="Liberation Sans"/>
+                <a:ea typeface="DejaVu Sans" pitchFamily="2"/>
+                <a:cs typeface="Liberation Sans"/>
+              </a:rPr>
+              <a:t>language</a:t>
+            </a:r>
+            <a:r>
+              <a:rPr lang="en-US" sz="2100" dirty="0">
+                <a:solidFill>
+                  <a:srgbClr val="990099"/>
+                </a:solidFill>
+                <a:latin typeface="Liberation Sans"/>
+                <a:ea typeface="DejaVu Sans" pitchFamily="2"/>
+                <a:cs typeface="Liberation Sans"/>
+              </a:rPr>
+              <a:t> and </a:t>
+            </a:r>
+            <a:r>
+              <a:rPr lang="en-US" sz="2100" b="1" dirty="0">
+                <a:solidFill>
+                  <a:srgbClr val="990099"/>
+                </a:solidFill>
+                <a:latin typeface="Liberation Sans"/>
+                <a:ea typeface="DejaVu Sans" pitchFamily="2"/>
+                <a:cs typeface="Liberation Sans"/>
+              </a:rPr>
+              <a:t>environment</a:t>
+            </a:r>
+            <a:r>
+              <a:rPr lang="en-US" sz="2100" dirty="0">
+                <a:solidFill>
+                  <a:srgbClr val="990099"/>
+                </a:solidFill>
+                <a:latin typeface="Liberation Sans"/>
+                <a:ea typeface="DejaVu Sans" pitchFamily="2"/>
+                <a:cs typeface="Liberation Sans"/>
+              </a:rPr>
+              <a:t> for </a:t>
             </a:r>
             <a:r>
               <a:rPr lang="en-US" sz="2100" b="1" dirty="0">
@@ -26364,7 +26408,7 @@
                 <a:ea typeface="Noto Sans CJK SC Regular" pitchFamily="2"/>
                 <a:cs typeface="Liberation Sans" pitchFamily="2"/>
               </a:rPr>
-              <a:t>R was implemented in 1993 by </a:t>
+              <a:t>R was developed in 1993 by </a:t>
             </a:r>
             <a:r>
               <a:rPr lang="en-US" sz="2100" b="1" dirty="0">
@@ -26432,7 +26476,7 @@
                 <a:ea typeface="Noto Sans CJK SC Regular" pitchFamily="2"/>
                 <a:cs typeface="Liberation Sans" pitchFamily="2"/>
               </a:rPr>
-              <a:t>R is maintained by the </a:t>
+              <a:t>Currently maintained by the </a:t>
             </a:r>
             <a:r>
               <a:rPr lang="en-US" sz="2000" i="1" dirty="0">
@@ -26445,17 +26489,14 @@
               </a:rPr>
               <a:t>R Development Core Team</a:t>
             </a:r>
-            <a:r>
-              <a:rPr lang="en-US" sz="2000" dirty="0">
-                <a:solidFill>
-                  <a:srgbClr val="990099"/>
-                </a:solidFill>
-                <a:latin typeface="Liberation Sans" pitchFamily="18"/>
-                <a:ea typeface="Noto Sans CJK SC Regular" pitchFamily="2"/>
-                <a:cs typeface="Liberation Sans" pitchFamily="2"/>
-              </a:rPr>
-              <a:t>.</a:t>
-            </a:r>
+            <a:endParaRPr lang="en-US" sz="2000" dirty="0">
+              <a:solidFill>
+                <a:srgbClr val="990099"/>
+              </a:solidFill>
+              <a:latin typeface="Liberation Sans" pitchFamily="18"/>
+              <a:ea typeface="Noto Sans CJK SC Regular" pitchFamily="2"/>
+              <a:cs typeface="Liberation Sans" pitchFamily="2"/>
+            </a:endParaRPr>
           </a:p>
           <a:p>
             <a:pPr marL="342900" lvl="1" indent="-342900" hangingPunct="0">
@@ -26478,7 +26519,7 @@
                 <a:ea typeface="Noto Sans CJK SC Regular" pitchFamily="2"/>
                 <a:cs typeface="Liberation Sans" pitchFamily="2"/>
               </a:rPr>
-              <a:t>It is available from the R-Project website: </a:t>
+              <a:t>Freely available from the R-Project website: </a:t>
             </a:r>
             <a:r>
               <a:rPr lang="en-US" sz="2000" dirty="0">
@@ -26521,7 +26562,7 @@
                 <a:latin typeface="Liberation Sans" pitchFamily="18"/>
                 <a:cs typeface="Liberation Sans" pitchFamily="2"/>
               </a:rPr>
-              <a:t>Pushed by a variety of fields –apart of statistics- such as bioinformatics or Ecology R has become a "de facto" standard in many fields for </a:t>
+              <a:t>Pushed by a variety of fields -apart of statistics- such as bioinformatics or ecology it has become a "de facto" standard in many fields for </a:t>
             </a:r>
             <a:br>
               <a:rPr lang="en-US" sz="2000" dirty="0">
@@ -27805,7 +27846,40 @@
                 <a:ea typeface="DejaVu Sans" pitchFamily="2"/>
                 <a:cs typeface="Liberation Sans"/>
               </a:rPr>
-              <a:t>Is always growing in users and functionalities </a:t>
+              <a:t>Is always growing in users and functionalities 	</a:t>
+            </a:r>
+            <a:br>
+              <a:rPr lang="en-US" dirty="0">
+                <a:solidFill>
+                  <a:srgbClr val="800080"/>
+                </a:solidFill>
+                <a:latin typeface="Liberation Sans"/>
+                <a:ea typeface="DejaVu Sans" pitchFamily="2"/>
+                <a:cs typeface="Liberation Sans"/>
+              </a:rPr>
+            </a:br>
+            <a:r>
+              <a:rPr lang="en-US" dirty="0">
+                <a:solidFill>
+                  <a:srgbClr val="800080"/>
+                </a:solidFill>
+                <a:latin typeface="Liberation Sans"/>
+                <a:ea typeface="DejaVu Sans" pitchFamily="2"/>
+                <a:cs typeface="Liberation Sans"/>
+                <a:sym typeface="Wingdings" panose="05000000000000000000" pitchFamily="2" charset="2"/>
+              </a:rPr>
+              <a:t></a:t>
+            </a:r>
+            <a:r>
+              <a:rPr lang="en-US" dirty="0">
+                <a:solidFill>
+                  <a:srgbClr val="800080"/>
+                </a:solidFill>
+                <a:latin typeface="Liberation Sans"/>
+                <a:ea typeface="DejaVu Sans" pitchFamily="2"/>
+                <a:cs typeface="Liberation Sans"/>
+              </a:rPr>
+              <a:t> Frequent updates (twice a year).</a:t>
             </a:r>
           </a:p>
           <a:p>
@@ -27829,22 +27903,9 @@
                 <a:ea typeface="DejaVu Sans" pitchFamily="2"/>
                 <a:cs typeface="Liberation Sans"/>
               </a:rPr>
-              <a:t>→ Frequent updates</a:t>
-            </a:r>
-          </a:p>
-          <a:p>
-            <a:pPr marL="457200" lvl="0" indent="-457200" algn="l">
-              <a:spcBef>
-                <a:spcPts val="0"/>
-              </a:spcBef>
-              <a:spcAft>
-                <a:spcPts val="1151"/>
-              </a:spcAft>
-              <a:buSzPct val="45000"/>
-              <a:buFont typeface="Arial" panose="020B0604020202020204" pitchFamily="34" charset="0"/>
-              <a:buChar char="•"/>
-            </a:pPr>
-            <a:r>
+              <a:t>Flexible, open source, programming language</a:t>
+            </a:r>
+            <a:br>
               <a:rPr lang="en-US" dirty="0">
                 <a:solidFill>
                   <a:srgbClr val="800080"/>
@@ -27853,21 +27914,7 @@
                 <a:ea typeface="DejaVu Sans" pitchFamily="2"/>
                 <a:cs typeface="Liberation Sans"/>
               </a:rPr>
-              <a:t>Flexible, open source programming language</a:t>
-            </a:r>
-          </a:p>
-          <a:p>
-            <a:pPr marL="457200" lvl="0" indent="-457200" algn="l">
-              <a:spcBef>
-                <a:spcPts val="0"/>
-              </a:spcBef>
-              <a:spcAft>
-                <a:spcPts val="1151"/>
-              </a:spcAft>
-              <a:buSzPct val="45000"/>
-              <a:buFont typeface="Arial" panose="020B0604020202020204" pitchFamily="34" charset="0"/>
-              <a:buChar char="•"/>
-            </a:pPr>
+            </a:br>
             <a:r>
               <a:rPr lang="en-US" dirty="0">
                 <a:solidFill>
@@ -27876,8 +27923,20 @@
                 <a:latin typeface="Liberation Sans"/>
                 <a:ea typeface="DejaVu Sans" pitchFamily="2"/>
                 <a:cs typeface="Liberation Sans"/>
-              </a:rPr>
-              <a:t>Useful for repetitive tasks</a:t>
+                <a:sym typeface="Wingdings" panose="05000000000000000000" pitchFamily="2" charset="2"/>
+              </a:rPr>
+              <a:t> </a:t>
+            </a:r>
+            <a:r>
+              <a:rPr lang="en-US" dirty="0">
+                <a:solidFill>
+                  <a:srgbClr val="800080"/>
+                </a:solidFill>
+                <a:latin typeface="Liberation Sans"/>
+                <a:ea typeface="DejaVu Sans" pitchFamily="2"/>
+                <a:cs typeface="Liberation Sans"/>
+              </a:rPr>
+              <a:t>Useful for repetitive tasks.</a:t>
             </a:r>
           </a:p>
           <a:p>
@@ -28039,7 +28098,7 @@
                 <a:ea typeface="DejaVu Sans" pitchFamily="2"/>
                 <a:cs typeface="Liberation Sans"/>
               </a:rPr>
-              <a:t>It is a statistical 2language", that is it is based on "commands" and used best in a console.</a:t>
+              <a:t>It is a statistical language", that is, it is based on "commands" and used best in a console.</a:t>
             </a:r>
           </a:p>
           <a:p>
@@ -28061,7 +28120,7 @@
                 <a:ea typeface="DejaVu Sans" pitchFamily="2"/>
                 <a:cs typeface="Liberation Sans"/>
               </a:rPr>
-              <a:t>Partially compensated by  GUIS such as </a:t>
+              <a:t>Compensated by  IDEs/GUIS such as </a:t>
             </a:r>
             <a:r>
               <a:rPr lang="en-US" dirty="0" err="1">
@@ -28072,7 +28131,7 @@
                 <a:ea typeface="DejaVu Sans" pitchFamily="2"/>
                 <a:cs typeface="Liberation Sans"/>
               </a:rPr>
-              <a:t>Rcmdr</a:t>
+              <a:t>Rstudio</a:t>
             </a:r>
             <a:r>
               <a:rPr lang="en-US" dirty="0">
@@ -28083,7 +28142,7 @@
                 <a:ea typeface="DejaVu Sans" pitchFamily="2"/>
                 <a:cs typeface="Liberation Sans"/>
               </a:rPr>
-              <a:t> and </a:t>
+              <a:t>/</a:t>
             </a:r>
             <a:r>
               <a:rPr lang="en-US" dirty="0" err="1">
@@ -28094,7 +28153,7 @@
                 <a:ea typeface="DejaVu Sans" pitchFamily="2"/>
                 <a:cs typeface="Liberation Sans"/>
               </a:rPr>
-              <a:t>Rstudio</a:t>
+              <a:t>Rcmdr</a:t>
             </a:r>
             <a:endParaRPr lang="en-US" dirty="0">
               <a:solidFill>
@@ -28167,7 +28226,51 @@
                 <a:ea typeface="DejaVu Sans" pitchFamily="2"/>
                 <a:cs typeface="Liberation Sans"/>
               </a:rPr>
-              <a:t>Much more powerful then the 2nd</a:t>
+              <a:t>Much more powerful then the 2</a:t>
+            </a:r>
+            <a:r>
+              <a:rPr lang="en-US" baseline="30000" dirty="0">
+                <a:solidFill>
+                  <a:srgbClr val="800080"/>
+                </a:solidFill>
+                <a:latin typeface="Liberation Sans"/>
+                <a:ea typeface="DejaVu Sans" pitchFamily="2"/>
+                <a:cs typeface="Liberation Sans"/>
+              </a:rPr>
+              <a:t>nd</a:t>
+            </a:r>
+            <a:r>
+              <a:rPr lang="en-US" dirty="0">
+                <a:solidFill>
+                  <a:srgbClr val="800080"/>
+                </a:solidFill>
+                <a:latin typeface="Liberation Sans"/>
+                <a:ea typeface="DejaVu Sans" pitchFamily="2"/>
+                <a:cs typeface="Liberation Sans"/>
+              </a:rPr>
+              <a:t>, </a:t>
+            </a:r>
+          </a:p>
+          <a:p>
+            <a:pPr marL="1143000" lvl="1" indent="-457200">
+              <a:spcBef>
+                <a:spcPts val="0"/>
+              </a:spcBef>
+              <a:spcAft>
+                <a:spcPts val="1151"/>
+              </a:spcAft>
+              <a:buSzPct val="45000"/>
+            </a:pPr>
+            <a:r>
+              <a:rPr lang="en-US" dirty="0">
+                <a:solidFill>
+                  <a:srgbClr val="800080"/>
+                </a:solidFill>
+                <a:latin typeface="Liberation Sans"/>
+                <a:ea typeface="DejaVu Sans" pitchFamily="2"/>
+                <a:cs typeface="Liberation Sans"/>
+              </a:rPr>
+              <a:t>Much cheaper than the 1st</a:t>
             </a:r>
           </a:p>
           <a:p>
@@ -28264,7 +28367,7 @@
               <a:t>Partially solved by the </a:t>
             </a:r>
             <a:r>
-              <a:rPr lang="en-US" dirty="0" err="1">
+              <a:rPr lang="en-US" b="1" dirty="0" err="1">
                 <a:solidFill>
                   <a:srgbClr val="800080"/>
                 </a:solidFill>
@@ -28274,7 +28377,7 @@
               </a:rPr>
               <a:t>tidyverse</a:t>
             </a:r>
-            <a:endParaRPr lang="en-US" dirty="0">
+            <a:endParaRPr lang="en-US" b="1" dirty="0">
               <a:solidFill>
                 <a:srgbClr val="800080"/>
               </a:solidFill>
@@ -28434,7 +28537,7 @@
         <p:spPr>
           <a:xfrm>
             <a:off x="503999" y="1610139"/>
-            <a:ext cx="7772400" cy="4611688"/>
+            <a:ext cx="8596458" cy="4611688"/>
           </a:xfrm>
           <a:prstGeom prst="rect">
             <a:avLst/>
@@ -28813,11 +28916,14 @@
               </a:rPr>
               <a:t>knowing</a:t>
             </a:r>
-            <a:endParaRPr lang="es-ES" altLang="es-ES" dirty="0">
-              <a:solidFill>
-                <a:sysClr val="windowText" lastClr="000000"/>
-              </a:solidFill>
-            </a:endParaRPr>
+            <a:r>
+              <a:rPr lang="es-ES" altLang="es-ES" dirty="0">
+                <a:solidFill>
+                  <a:sysClr val="windowText" lastClr="000000"/>
+                </a:solidFill>
+              </a:rPr>
+              <a:t> …</a:t>
+            </a:r>
           </a:p>
           <a:p>
             <a:pPr lvl="1"/>
@@ -28857,7 +28963,10 @@
               <a:rPr lang="es-ES" altLang="es-ES" sz="2800" dirty="0" err="1"/>
               <a:t>there</a:t>
             </a:r>
-            <a:endParaRPr lang="es-ES" altLang="es-ES" sz="2800" dirty="0"/>
+            <a:r>
+              <a:rPr lang="es-ES" altLang="es-ES" sz="2800" dirty="0"/>
+              <a:t>,</a:t>
+            </a:r>
           </a:p>
           <a:p>
             <a:pPr lvl="1"/>
@@ -29518,9 +29627,9 @@
           <p:nvPr/>
         </p:nvSpPr>
         <p:spPr bwMode="auto">
-          <a:xfrm flipV="1">
-            <a:off x="1752600" y="3429000"/>
-            <a:ext cx="1066800" cy="152400"/>
+          <a:xfrm>
+            <a:off x="1752600" y="3581400"/>
+            <a:ext cx="1066800" cy="76200"/>
           </a:xfrm>
           <a:prstGeom prst="line">
             <a:avLst/>
@@ -29577,7 +29686,7 @@
         <p:spPr bwMode="auto">
           <a:xfrm>
             <a:off x="2971800" y="3962400"/>
-            <a:ext cx="1905000" cy="762000"/>
+            <a:ext cx="1447800" cy="762000"/>
           </a:xfrm>
           <a:prstGeom prst="rect">
             <a:avLst/>
